--- a/Doc/Présentation_Othello.pptx
+++ b/Doc/Présentation_Othello.pptx
@@ -5,7 +5,7 @@
     <p:sldMasterId id="2147484231" r:id="rId1"/>
   </p:sldMasterIdLst>
   <p:notesMasterIdLst>
-    <p:notesMasterId r:id="rId19"/>
+    <p:notesMasterId r:id="rId20"/>
   </p:notesMasterIdLst>
   <p:sldIdLst>
     <p:sldId id="256" r:id="rId2"/>
@@ -18,13 +18,14 @@
     <p:sldId id="264" r:id="rId9"/>
     <p:sldId id="265" r:id="rId10"/>
     <p:sldId id="273" r:id="rId11"/>
-    <p:sldId id="266" r:id="rId12"/>
-    <p:sldId id="272" r:id="rId13"/>
-    <p:sldId id="274" r:id="rId14"/>
-    <p:sldId id="271" r:id="rId15"/>
-    <p:sldId id="267" r:id="rId16"/>
-    <p:sldId id="268" r:id="rId17"/>
-    <p:sldId id="269" r:id="rId18"/>
+    <p:sldId id="275" r:id="rId12"/>
+    <p:sldId id="266" r:id="rId13"/>
+    <p:sldId id="272" r:id="rId14"/>
+    <p:sldId id="274" r:id="rId15"/>
+    <p:sldId id="271" r:id="rId16"/>
+    <p:sldId id="267" r:id="rId17"/>
+    <p:sldId id="268" r:id="rId18"/>
+    <p:sldId id="269" r:id="rId19"/>
   </p:sldIdLst>
   <p:sldSz cx="12192000" cy="6858000"/>
   <p:notesSz cx="6858000" cy="9144000"/>
@@ -125,7 +126,7 @@
   </p:defaultTextStyle>
   <p:extLst>
     <p:ext uri="{EFAFB233-063F-42B5-8137-9DF3F51BA10A}">
-      <p15:sldGuideLst xmlns:p15="http://schemas.microsoft.com/office/powerpoint/2012/main" xmlns="">
+      <p15:sldGuideLst xmlns="" xmlns:p15="http://schemas.microsoft.com/office/powerpoint/2012/main">
         <p15:guide id="1" orient="horz" pos="2160">
           <p15:clr>
             <a:srgbClr val="A4A3A4"/>
@@ -224,7 +225,7 @@
           <a:p>
             <a:fld id="{50C921B5-BE7E-FB44-8170-916F3B56E2DB}" type="datetimeFigureOut">
               <a:rPr lang="fr-FR" smtClean="0"/>
-              <a:t>10.01.16</a:t>
+              <a:t>13.01.16</a:t>
             </a:fld>
             <a:endParaRPr lang="fr-FR"/>
           </a:p>
@@ -848,6 +849,94 @@
 </p:notes>
 </file>
 
+<file path=ppt/notesSlides/notesSlide5.xml><?xml version="1.0" encoding="utf-8"?>
+<p:notes xmlns:a="http://schemas.openxmlformats.org/drawingml/2006/main" xmlns:r="http://schemas.openxmlformats.org/officeDocument/2006/relationships" xmlns:p="http://schemas.openxmlformats.org/presentationml/2006/main">
+  <p:cSld>
+    <p:spTree>
+      <p:nvGrpSpPr>
+        <p:cNvPr id="1" name=""/>
+        <p:cNvGrpSpPr/>
+        <p:nvPr/>
+      </p:nvGrpSpPr>
+      <p:grpSpPr>
+        <a:xfrm>
+          <a:off x="0" y="0"/>
+          <a:ext cx="0" cy="0"/>
+          <a:chOff x="0" y="0"/>
+          <a:chExt cx="0" cy="0"/>
+        </a:xfrm>
+      </p:grpSpPr>
+      <p:sp>
+        <p:nvSpPr>
+          <p:cNvPr id="2" name="Espace réservé de l'image des diapositives 1"/>
+          <p:cNvSpPr>
+            <a:spLocks noGrp="1" noRot="1" noChangeAspect="1"/>
+          </p:cNvSpPr>
+          <p:nvPr>
+            <p:ph type="sldImg"/>
+          </p:nvPr>
+        </p:nvSpPr>
+        <p:spPr/>
+      </p:sp>
+      <p:sp>
+        <p:nvSpPr>
+          <p:cNvPr id="3" name="Espace réservé des commentaires 2"/>
+          <p:cNvSpPr>
+            <a:spLocks noGrp="1"/>
+          </p:cNvSpPr>
+          <p:nvPr>
+            <p:ph type="body" idx="1"/>
+          </p:nvPr>
+        </p:nvSpPr>
+        <p:spPr/>
+        <p:txBody>
+          <a:bodyPr/>
+          <a:lstStyle/>
+          <a:p>
+            <a:r>
+              <a:rPr lang="fr-FR" dirty="0" err="1" smtClean="0"/>
+              <a:t>screenshot</a:t>
+            </a:r>
+            <a:endParaRPr lang="fr-FR" dirty="0"/>
+          </a:p>
+        </p:txBody>
+      </p:sp>
+      <p:sp>
+        <p:nvSpPr>
+          <p:cNvPr id="4" name="Espace réservé du numéro de diapositive 3"/>
+          <p:cNvSpPr>
+            <a:spLocks noGrp="1"/>
+          </p:cNvSpPr>
+          <p:nvPr>
+            <p:ph type="sldNum" sz="quarter" idx="10"/>
+          </p:nvPr>
+        </p:nvSpPr>
+        <p:spPr/>
+        <p:txBody>
+          <a:bodyPr/>
+          <a:lstStyle/>
+          <a:p>
+            <a:fld id="{204FA9FA-FC81-464C-B477-F860D0E7F97E}" type="slidenum">
+              <a:rPr lang="fr-FR" smtClean="0"/>
+              <a:t>11</a:t>
+            </a:fld>
+            <a:endParaRPr lang="fr-FR"/>
+          </a:p>
+        </p:txBody>
+      </p:sp>
+    </p:spTree>
+    <p:extLst>
+      <p:ext uri="{BB962C8B-B14F-4D97-AF65-F5344CB8AC3E}">
+        <p14:creationId xmlns:p14="http://schemas.microsoft.com/office/powerpoint/2010/main" val="863537709"/>
+      </p:ext>
+    </p:extLst>
+  </p:cSld>
+  <p:clrMapOvr>
+    <a:masterClrMapping/>
+  </p:clrMapOvr>
+</p:notes>
+</file>
+
 <file path=ppt/slideLayouts/slideLayout1.xml><?xml version="1.0" encoding="utf-8"?>
 <p:sldLayout xmlns:a="http://schemas.openxmlformats.org/drawingml/2006/main" xmlns:r="http://schemas.openxmlformats.org/officeDocument/2006/relationships" xmlns:p="http://schemas.openxmlformats.org/presentationml/2006/main" type="title" preserve="1">
   <p:cSld name="Diapositive de titre">
@@ -1122,7 +1211,7 @@
           <a:p>
             <a:fld id="{C6C6FF40-54FD-40EB-91D8-AF9B97B55835}" type="datetimeFigureOut">
               <a:rPr lang="fr-CH" smtClean="0"/>
-              <a:t>10.01.16</a:t>
+              <a:t>13.01.16</a:t>
             </a:fld>
             <a:endParaRPr lang="fr-CH"/>
           </a:p>
@@ -1536,7 +1625,7 @@
           <a:p>
             <a:fld id="{C6C6FF40-54FD-40EB-91D8-AF9B97B55835}" type="datetimeFigureOut">
               <a:rPr lang="fr-CH" smtClean="0"/>
-              <a:t>10.01.16</a:t>
+              <a:t>13.01.16</a:t>
             </a:fld>
             <a:endParaRPr lang="fr-CH"/>
           </a:p>
@@ -1872,7 +1961,7 @@
           <a:p>
             <a:fld id="{C6C6FF40-54FD-40EB-91D8-AF9B97B55835}" type="datetimeFigureOut">
               <a:rPr lang="fr-CH" smtClean="0"/>
-              <a:t>10.01.16</a:t>
+              <a:t>13.01.16</a:t>
             </a:fld>
             <a:endParaRPr lang="fr-CH"/>
           </a:p>
@@ -2277,7 +2366,7 @@
           <a:p>
             <a:fld id="{C6C6FF40-54FD-40EB-91D8-AF9B97B55835}" type="datetimeFigureOut">
               <a:rPr lang="fr-CH" smtClean="0"/>
-              <a:t>10.01.16</a:t>
+              <a:t>13.01.16</a:t>
             </a:fld>
             <a:endParaRPr lang="fr-CH"/>
           </a:p>
@@ -2845,7 +2934,7 @@
           <a:p>
             <a:fld id="{C6C6FF40-54FD-40EB-91D8-AF9B97B55835}" type="datetimeFigureOut">
               <a:rPr lang="fr-CH" smtClean="0"/>
-              <a:t>10.01.16</a:t>
+              <a:t>13.01.16</a:t>
             </a:fld>
             <a:endParaRPr lang="fr-CH"/>
           </a:p>
@@ -3526,7 +3615,7 @@
           <a:p>
             <a:fld id="{C6C6FF40-54FD-40EB-91D8-AF9B97B55835}" type="datetimeFigureOut">
               <a:rPr lang="fr-CH" smtClean="0"/>
-              <a:t>10.01.16</a:t>
+              <a:t>13.01.16</a:t>
             </a:fld>
             <a:endParaRPr lang="fr-CH"/>
           </a:p>
@@ -4439,7 +4528,7 @@
           <a:p>
             <a:fld id="{C6C6FF40-54FD-40EB-91D8-AF9B97B55835}" type="datetimeFigureOut">
               <a:rPr lang="fr-CH" smtClean="0"/>
-              <a:t>10.01.16</a:t>
+              <a:t>13.01.16</a:t>
             </a:fld>
             <a:endParaRPr lang="fr-CH"/>
           </a:p>
@@ -4752,7 +4841,7 @@
           <a:p>
             <a:fld id="{C6C6FF40-54FD-40EB-91D8-AF9B97B55835}" type="datetimeFigureOut">
               <a:rPr lang="fr-CH" smtClean="0"/>
-              <a:t>10.01.16</a:t>
+              <a:t>13.01.16</a:t>
             </a:fld>
             <a:endParaRPr lang="fr-CH"/>
           </a:p>
@@ -5016,7 +5105,7 @@
           <a:p>
             <a:fld id="{C6C6FF40-54FD-40EB-91D8-AF9B97B55835}" type="datetimeFigureOut">
               <a:rPr lang="fr-CH" smtClean="0"/>
-              <a:t>10.01.16</a:t>
+              <a:t>13.01.16</a:t>
             </a:fld>
             <a:endParaRPr lang="fr-CH"/>
           </a:p>
@@ -5339,7 +5428,7 @@
           <a:p>
             <a:fld id="{C6C6FF40-54FD-40EB-91D8-AF9B97B55835}" type="datetimeFigureOut">
               <a:rPr lang="fr-CH" smtClean="0"/>
-              <a:t>10.01.16</a:t>
+              <a:t>13.01.16</a:t>
             </a:fld>
             <a:endParaRPr lang="fr-CH"/>
           </a:p>
@@ -5728,7 +5817,7 @@
           <a:p>
             <a:fld id="{C6C6FF40-54FD-40EB-91D8-AF9B97B55835}" type="datetimeFigureOut">
               <a:rPr lang="fr-CH" smtClean="0"/>
-              <a:t>10.01.16</a:t>
+              <a:t>13.01.16</a:t>
             </a:fld>
             <a:endParaRPr lang="fr-CH"/>
           </a:p>
@@ -6104,7 +6193,7 @@
           <a:p>
             <a:fld id="{C6C6FF40-54FD-40EB-91D8-AF9B97B55835}" type="datetimeFigureOut">
               <a:rPr lang="fr-CH" smtClean="0"/>
-              <a:t>10.01.16</a:t>
+              <a:t>13.01.16</a:t>
             </a:fld>
             <a:endParaRPr lang="fr-CH"/>
           </a:p>
@@ -6610,7 +6699,7 @@
           <a:p>
             <a:fld id="{C6C6FF40-54FD-40EB-91D8-AF9B97B55835}" type="datetimeFigureOut">
               <a:rPr lang="fr-CH" smtClean="0"/>
-              <a:t>10.01.16</a:t>
+              <a:t>13.01.16</a:t>
             </a:fld>
             <a:endParaRPr lang="fr-CH"/>
           </a:p>
@@ -6867,7 +6956,7 @@
           <a:p>
             <a:fld id="{C6C6FF40-54FD-40EB-91D8-AF9B97B55835}" type="datetimeFigureOut">
               <a:rPr lang="fr-CH" smtClean="0"/>
-              <a:t>10.01.16</a:t>
+              <a:t>13.01.16</a:t>
             </a:fld>
             <a:endParaRPr lang="fr-CH"/>
           </a:p>
@@ -7030,7 +7119,7 @@
           <a:p>
             <a:fld id="{C6C6FF40-54FD-40EB-91D8-AF9B97B55835}" type="datetimeFigureOut">
               <a:rPr lang="fr-CH" smtClean="0"/>
-              <a:t>10.01.16</a:t>
+              <a:t>13.01.16</a:t>
             </a:fld>
             <a:endParaRPr lang="fr-CH"/>
           </a:p>
@@ -7420,7 +7509,7 @@
           <a:p>
             <a:fld id="{C6C6FF40-54FD-40EB-91D8-AF9B97B55835}" type="datetimeFigureOut">
               <a:rPr lang="fr-CH" smtClean="0"/>
-              <a:t>10.01.16</a:t>
+              <a:t>13.01.16</a:t>
             </a:fld>
             <a:endParaRPr lang="fr-CH"/>
           </a:p>
@@ -7829,7 +7918,7 @@
           <a:p>
             <a:fld id="{C6C6FF40-54FD-40EB-91D8-AF9B97B55835}" type="datetimeFigureOut">
               <a:rPr lang="fr-CH" smtClean="0"/>
-              <a:t>10.01.16</a:t>
+              <a:t>13.01.16</a:t>
             </a:fld>
             <a:endParaRPr lang="fr-CH"/>
           </a:p>
@@ -7894,9 +7983,14 @@
 <p:sldMaster xmlns:a="http://schemas.openxmlformats.org/drawingml/2006/main" xmlns:r="http://schemas.openxmlformats.org/officeDocument/2006/relationships" xmlns:p="http://schemas.openxmlformats.org/presentationml/2006/main">
   <p:cSld>
     <p:bg>
-      <p:bgRef idx="1003">
-        <a:schemeClr val="bg2"/>
-      </p:bgRef>
+      <p:bgPr>
+        <a:solidFill>
+          <a:srgbClr val="008000">
+            <a:alpha val="22000"/>
+          </a:srgbClr>
+        </a:solidFill>
+        <a:effectLst/>
+      </p:bgPr>
     </p:bg>
     <p:spTree>
       <p:nvGrpSpPr>
@@ -8073,7 +8167,7 @@
           <a:p>
             <a:fld id="{C6C6FF40-54FD-40EB-91D8-AF9B97B55835}" type="datetimeFigureOut">
               <a:rPr lang="fr-CH" smtClean="0"/>
-              <a:t>10.01.16</a:t>
+              <a:t>13.01.16</a:t>
             </a:fld>
             <a:endParaRPr lang="fr-CH"/>
           </a:p>
@@ -8507,6 +8601,49 @@
           </a:p>
         </p:txBody>
       </p:sp>
+      <p:sp>
+        <p:nvSpPr>
+          <p:cNvPr id="3" name="ZoneTexte 2"/>
+          <p:cNvSpPr txBox="1"/>
+          <p:nvPr/>
+        </p:nvSpPr>
+        <p:spPr>
+          <a:xfrm>
+            <a:off x="5080158" y="4792473"/>
+            <a:ext cx="5881492" cy="923330"/>
+          </a:xfrm>
+          <a:prstGeom prst="rect">
+            <a:avLst/>
+          </a:prstGeom>
+          <a:noFill/>
+        </p:spPr>
+        <p:txBody>
+          <a:bodyPr wrap="square" rtlCol="0">
+            <a:spAutoFit/>
+          </a:bodyPr>
+          <a:lstStyle/>
+          <a:p>
+            <a:r>
+              <a:rPr lang="fr-FR" dirty="0" smtClean="0"/>
+              <a:t>Kevin  </a:t>
+            </a:r>
+            <a:r>
+              <a:rPr lang="fr-FR" dirty="0" err="1" smtClean="0"/>
+              <a:t>Vulliemin</a:t>
+            </a:r>
+            <a:endParaRPr lang="fr-FR" dirty="0" smtClean="0"/>
+          </a:p>
+          <a:p>
+            <a:r>
+              <a:rPr lang="fr-FR" dirty="0" smtClean="0"/>
+              <a:t>Ajjali Wassim</a:t>
+            </a:r>
+          </a:p>
+          <a:p>
+            <a:endParaRPr lang="fr-FR" dirty="0"/>
+          </a:p>
+        </p:txBody>
+      </p:sp>
     </p:spTree>
     <p:extLst>
       <p:ext uri="{BB962C8B-B14F-4D97-AF65-F5344CB8AC3E}">
@@ -8638,6 +8775,36 @@
           </a:p>
         </p:txBody>
       </p:sp>
+      <p:pic>
+        <p:nvPicPr>
+          <p:cNvPr id="3" name="Image 2" descr="Capture d'écran 2016-01-13 19.18.47.png"/>
+          <p:cNvPicPr>
+            <a:picLocks noChangeAspect="1"/>
+          </p:cNvPicPr>
+          <p:nvPr/>
+        </p:nvPicPr>
+        <p:blipFill>
+          <a:blip r:embed="rId3">
+            <a:extLst>
+              <a:ext uri="{28A0092B-C50C-407E-A947-70E740481C1C}">
+                <a14:useLocalDpi xmlns:a14="http://schemas.microsoft.com/office/drawing/2010/main" val="0"/>
+              </a:ext>
+            </a:extLst>
+          </a:blip>
+          <a:stretch>
+            <a:fillRect/>
+          </a:stretch>
+        </p:blipFill>
+        <p:spPr>
+          <a:xfrm>
+            <a:off x="6062926" y="1975128"/>
+            <a:ext cx="3059811" cy="4882872"/>
+          </a:xfrm>
+          <a:prstGeom prst="rect">
+            <a:avLst/>
+          </a:prstGeom>
+        </p:spPr>
+      </p:pic>
     </p:spTree>
     <p:extLst>
       <p:ext uri="{BB962C8B-B14F-4D97-AF65-F5344CB8AC3E}">
@@ -8648,6 +8815,13 @@
   <p:clrMapOvr>
     <a:masterClrMapping/>
   </p:clrMapOvr>
+  <p:timing>
+    <p:tnLst>
+      <p:par>
+        <p:cTn xmlns:p14="http://schemas.microsoft.com/office/powerpoint/2010/main" id="1" dur="indefinite" restart="never" nodeType="tmRoot"/>
+      </p:par>
+    </p:tnLst>
+  </p:timing>
 </p:sld>
 </file>
 
@@ -8685,7 +8859,7 @@
           <a:p>
             <a:r>
               <a:rPr lang="fr-CH" dirty="0" smtClean="0"/>
-              <a:t>IA</a:t>
+              <a:t>Instruction</a:t>
             </a:r>
             <a:endParaRPr lang="fr-CH" dirty="0"/>
           </a:p>
@@ -8693,196 +8867,79 @@
       </p:sp>
       <p:sp>
         <p:nvSpPr>
-          <p:cNvPr id="3" name="Espace réservé du contenu 2"/>
-          <p:cNvSpPr>
-            <a:spLocks noGrp="1"/>
-          </p:cNvSpPr>
-          <p:nvPr>
-            <p:ph idx="1"/>
-          </p:nvPr>
-        </p:nvSpPr>
-        <p:spPr>
-          <a:xfrm>
-            <a:off x="230180" y="2240422"/>
-            <a:ext cx="11441344" cy="4446781"/>
-          </a:xfrm>
-        </p:spPr>
-        <p:txBody>
-          <a:bodyPr>
-            <a:normAutofit/>
+          <p:cNvPr id="5" name="ZoneTexte 4"/>
+          <p:cNvSpPr txBox="1"/>
+          <p:nvPr/>
+        </p:nvSpPr>
+        <p:spPr>
+          <a:xfrm>
+            <a:off x="680321" y="2447108"/>
+            <a:ext cx="2723823" cy="830997"/>
+          </a:xfrm>
+          <a:prstGeom prst="rect">
+            <a:avLst/>
+          </a:prstGeom>
+          <a:noFill/>
+        </p:spPr>
+        <p:txBody>
+          <a:bodyPr wrap="none" rtlCol="0">
+            <a:spAutoFit/>
           </a:bodyPr>
           <a:lstStyle/>
           <a:p>
-            <a:r>
-              <a:rPr lang="fr-FR" sz="2200" dirty="0">
-                <a:latin typeface=""/>
-              </a:rPr>
-              <a:t>R</a:t>
-            </a:r>
-            <a:r>
-              <a:rPr lang="fr-FR" sz="2200" dirty="0" smtClean="0">
-                <a:latin typeface=""/>
-              </a:rPr>
-              <a:t>eprésentation </a:t>
-            </a:r>
-            <a:r>
-              <a:rPr lang="fr-FR" sz="2200" dirty="0">
-                <a:latin typeface=""/>
-              </a:rPr>
-              <a:t>de l’état du </a:t>
-            </a:r>
-            <a:r>
-              <a:rPr lang="fr-FR" sz="2200" dirty="0" smtClean="0">
-                <a:latin typeface=""/>
-              </a:rPr>
-              <a:t>jeu</a:t>
-            </a:r>
-          </a:p>
-          <a:p>
-            <a:pPr lvl="1"/>
-            <a:r>
-              <a:rPr lang="fr-FR" sz="2200" dirty="0" smtClean="0">
-                <a:latin typeface=""/>
-              </a:rPr>
-              <a:t> grille 8X8 </a:t>
-            </a:r>
-            <a:r>
-              <a:rPr lang="fr-FR" sz="2200" dirty="0">
-                <a:latin typeface=""/>
-              </a:rPr>
-              <a:t>avec </a:t>
-            </a:r>
-            <a:r>
-              <a:rPr lang="fr-FR" sz="2200" dirty="0" smtClean="0">
-                <a:latin typeface=""/>
-              </a:rPr>
-              <a:t>des pions</a:t>
-            </a:r>
-          </a:p>
-          <a:p>
-            <a:pPr lvl="1"/>
-            <a:r>
-              <a:rPr lang="fr-FR" sz="2200" dirty="0" smtClean="0">
-                <a:latin typeface=""/>
-              </a:rPr>
-              <a:t> </a:t>
-            </a:r>
-            <a:r>
-              <a:rPr lang="fr-FR" sz="2200" dirty="0">
-                <a:latin typeface=""/>
-              </a:rPr>
-              <a:t>à qui de </a:t>
-            </a:r>
-            <a:r>
-              <a:rPr lang="fr-FR" sz="2200" dirty="0" smtClean="0">
-                <a:latin typeface=""/>
-              </a:rPr>
-              <a:t>jouer</a:t>
-            </a:r>
-          </a:p>
-          <a:p>
-            <a:pPr lvl="1"/>
-            <a:r>
-              <a:rPr lang="fr-FR" sz="2200" dirty="0" smtClean="0">
-                <a:latin typeface=""/>
-              </a:rPr>
-              <a:t> </a:t>
-            </a:r>
-            <a:r>
-              <a:rPr lang="fr-FR" sz="2200" dirty="0">
-                <a:latin typeface=""/>
-              </a:rPr>
-              <a:t>coups possibles, </a:t>
-            </a:r>
-            <a:endParaRPr lang="fr-FR" sz="2200" dirty="0" smtClean="0">
-              <a:latin typeface=""/>
-            </a:endParaRPr>
-          </a:p>
-          <a:p>
-            <a:pPr lvl="1"/>
-            <a:r>
-              <a:rPr lang="fr-FR" sz="2200" dirty="0" smtClean="0"/>
-              <a:t>états terminaux (pas de coup possible ou fin du jeu</a:t>
-            </a:r>
-          </a:p>
-          <a:p>
-            <a:r>
-              <a:rPr lang="fr-FR" sz="2200" dirty="0"/>
-              <a:t>Une méthode calculant l’effet d’un </a:t>
-            </a:r>
-            <a:r>
-              <a:rPr lang="fr-FR" sz="2200" dirty="0" smtClean="0"/>
-              <a:t>coup</a:t>
-            </a:r>
-          </a:p>
-          <a:p>
-            <a:pPr lvl="1"/>
-            <a:r>
-              <a:rPr lang="fr-FR" sz="2200" dirty="0" smtClean="0"/>
-              <a:t>Retourner les pièces</a:t>
-            </a:r>
-          </a:p>
-          <a:p>
-            <a:r>
-              <a:rPr lang="fr-FR" sz="2200" dirty="0"/>
-              <a:t>Une fonction d’évaluation d’un </a:t>
-            </a:r>
-            <a:r>
-              <a:rPr lang="fr-FR" sz="2200" dirty="0" smtClean="0"/>
-              <a:t>état: </a:t>
-            </a:r>
-            <a:r>
-              <a:rPr lang="fr-FR" sz="2200" dirty="0"/>
-              <a:t>c’est sur cette fonction que va se reposer principalement </a:t>
-            </a:r>
-            <a:r>
-              <a:rPr lang="fr-FR" sz="2200" dirty="0" smtClean="0"/>
-              <a:t>la qualité </a:t>
-            </a:r>
-            <a:r>
-              <a:rPr lang="fr-FR" sz="2200" dirty="0"/>
-              <a:t>de </a:t>
-            </a:r>
-            <a:r>
-              <a:rPr lang="fr-FR" sz="2200" dirty="0" smtClean="0"/>
-              <a:t>jeu.</a:t>
-            </a:r>
-          </a:p>
-          <a:p>
-            <a:r>
-              <a:rPr lang="fr-FR" sz="2200" dirty="0"/>
-              <a:t>L’algorithme alpha-</a:t>
-            </a:r>
-            <a:r>
-              <a:rPr lang="fr-FR" sz="2200" dirty="0" smtClean="0"/>
-              <a:t>beta</a:t>
-            </a:r>
-            <a:r>
-              <a:rPr lang="fr-FR" sz="2200" dirty="0"/>
-              <a:t> </a:t>
-            </a:r>
-            <a:r>
-              <a:rPr lang="fr-FR" sz="2200" dirty="0" smtClean="0"/>
-              <a:t>qui devra </a:t>
-            </a:r>
-            <a:r>
-              <a:rPr lang="fr-FR" sz="2200" dirty="0"/>
-              <a:t>être paramétrable par la profondeur maximale de </a:t>
-            </a:r>
-            <a:r>
-              <a:rPr lang="fr-FR" sz="2200" dirty="0" smtClean="0"/>
-              <a:t>recherche afin de créer des niveaux de difficulté dans le jeu.</a:t>
-            </a:r>
-            <a:endParaRPr lang="fr-FR" sz="2200" dirty="0">
-              <a:latin typeface=""/>
-            </a:endParaRPr>
-          </a:p>
-        </p:txBody>
-      </p:sp>
+            <a:pPr marL="285750" indent="-285750">
+              <a:buFont typeface="Arial" panose="020B0604020202020204" pitchFamily="34" charset="0"/>
+              <a:buChar char="•"/>
+            </a:pPr>
+            <a:r>
+              <a:rPr lang="fr-CH" sz="2400" dirty="0" smtClean="0"/>
+              <a:t>Comment jouer?</a:t>
+            </a:r>
+            <a:endParaRPr lang="fr-CH" sz="2400" dirty="0"/>
+          </a:p>
+          <a:p>
+            <a:pPr marL="285750" indent="-285750">
+              <a:buFont typeface="Arial" panose="020B0604020202020204" pitchFamily="34" charset="0"/>
+              <a:buChar char="•"/>
+            </a:pPr>
+            <a:endParaRPr lang="fr-CH" sz="2400" dirty="0"/>
+          </a:p>
+        </p:txBody>
+      </p:sp>
+      <p:pic>
+        <p:nvPicPr>
+          <p:cNvPr id="6" name="Image 5" descr="Capture d'écran 2016-01-13 19.38.30.png"/>
+          <p:cNvPicPr>
+            <a:picLocks noChangeAspect="1"/>
+          </p:cNvPicPr>
+          <p:nvPr/>
+        </p:nvPicPr>
+        <p:blipFill>
+          <a:blip r:embed="rId3">
+            <a:extLst>
+              <a:ext uri="{28A0092B-C50C-407E-A947-70E740481C1C}">
+                <a14:useLocalDpi xmlns:a14="http://schemas.microsoft.com/office/drawing/2010/main" val="0"/>
+              </a:ext>
+            </a:extLst>
+          </a:blip>
+          <a:stretch>
+            <a:fillRect/>
+          </a:stretch>
+        </p:blipFill>
+        <p:spPr>
+          <a:xfrm>
+            <a:off x="4485238" y="1995604"/>
+            <a:ext cx="3126475" cy="4862396"/>
+          </a:xfrm>
+          <a:prstGeom prst="rect">
+            <a:avLst/>
+          </a:prstGeom>
+        </p:spPr>
+      </p:pic>
     </p:spTree>
     <p:extLst>
       <p:ext uri="{BB962C8B-B14F-4D97-AF65-F5344CB8AC3E}">
-        <p14:creationId xmlns:p14="http://schemas.microsoft.com/office/powerpoint/2010/main" val="309945059"/>
+        <p14:creationId xmlns:p14="http://schemas.microsoft.com/office/powerpoint/2010/main" val="1131034842"/>
       </p:ext>
     </p:extLst>
   </p:cSld>
@@ -8932,51 +8989,205 @@
           <a:lstStyle/>
           <a:p>
             <a:r>
-              <a:rPr lang="fr-CH" dirty="0"/>
-              <a:t>Aspect </a:t>
-            </a:r>
-            <a:r>
               <a:rPr lang="fr-CH" dirty="0" smtClean="0"/>
-              <a:t>technique</a:t>
+              <a:t>IA</a:t>
             </a:r>
             <a:endParaRPr lang="fr-CH" dirty="0"/>
           </a:p>
         </p:txBody>
       </p:sp>
-      <p:pic>
-        <p:nvPicPr>
-          <p:cNvPr id="5" name="Image 4" descr="diagramme.png"/>
-          <p:cNvPicPr>
-            <a:picLocks noChangeAspect="1"/>
-          </p:cNvPicPr>
-          <p:nvPr/>
-        </p:nvPicPr>
-        <p:blipFill>
-          <a:blip r:embed="rId2">
-            <a:extLst>
-              <a:ext uri="{28A0092B-C50C-407E-A947-70E740481C1C}">
-                <a14:useLocalDpi xmlns:a14="http://schemas.microsoft.com/office/drawing/2010/main" val="0"/>
-              </a:ext>
-            </a:extLst>
-          </a:blip>
-          <a:stretch>
-            <a:fillRect/>
-          </a:stretch>
-        </p:blipFill>
-        <p:spPr>
-          <a:xfrm>
-            <a:off x="3809742" y="1979086"/>
-            <a:ext cx="4878914" cy="4878914"/>
-          </a:xfrm>
-          <a:prstGeom prst="rect">
-            <a:avLst/>
-          </a:prstGeom>
-        </p:spPr>
-      </p:pic>
+      <p:sp>
+        <p:nvSpPr>
+          <p:cNvPr id="3" name="Espace réservé du contenu 2"/>
+          <p:cNvSpPr>
+            <a:spLocks noGrp="1"/>
+          </p:cNvSpPr>
+          <p:nvPr>
+            <p:ph idx="1"/>
+          </p:nvPr>
+        </p:nvSpPr>
+        <p:spPr>
+          <a:xfrm>
+            <a:off x="230180" y="2240422"/>
+            <a:ext cx="11441344" cy="4446781"/>
+          </a:xfrm>
+        </p:spPr>
+        <p:txBody>
+          <a:bodyPr>
+            <a:normAutofit/>
+          </a:bodyPr>
+          <a:lstStyle/>
+          <a:p>
+            <a:r>
+              <a:rPr lang="fr-FR" sz="2200" dirty="0">
+                <a:latin typeface=""/>
+              </a:rPr>
+              <a:t>R</a:t>
+            </a:r>
+            <a:r>
+              <a:rPr lang="fr-FR" sz="2200" dirty="0" smtClean="0">
+                <a:latin typeface=""/>
+              </a:rPr>
+              <a:t>eprésentation </a:t>
+            </a:r>
+            <a:r>
+              <a:rPr lang="fr-FR" sz="2200" dirty="0">
+                <a:latin typeface=""/>
+              </a:rPr>
+              <a:t>de l’état du </a:t>
+            </a:r>
+            <a:r>
+              <a:rPr lang="fr-FR" sz="2200" dirty="0" smtClean="0">
+                <a:latin typeface=""/>
+              </a:rPr>
+              <a:t>jeu</a:t>
+            </a:r>
+          </a:p>
+          <a:p>
+            <a:pPr lvl="1"/>
+            <a:r>
+              <a:rPr lang="fr-FR" sz="2200" dirty="0" smtClean="0">
+                <a:latin typeface=""/>
+              </a:rPr>
+              <a:t> grille 8X8 </a:t>
+            </a:r>
+            <a:r>
+              <a:rPr lang="fr-FR" sz="2200" dirty="0">
+                <a:latin typeface=""/>
+              </a:rPr>
+              <a:t>avec </a:t>
+            </a:r>
+            <a:r>
+              <a:rPr lang="fr-FR" sz="2200" dirty="0" smtClean="0">
+                <a:latin typeface=""/>
+              </a:rPr>
+              <a:t>des pions</a:t>
+            </a:r>
+          </a:p>
+          <a:p>
+            <a:pPr lvl="1"/>
+            <a:r>
+              <a:rPr lang="fr-FR" sz="2200" dirty="0" smtClean="0">
+                <a:latin typeface=""/>
+              </a:rPr>
+              <a:t> </a:t>
+            </a:r>
+            <a:r>
+              <a:rPr lang="fr-FR" sz="2200" dirty="0">
+                <a:latin typeface=""/>
+              </a:rPr>
+              <a:t>à qui de </a:t>
+            </a:r>
+            <a:r>
+              <a:rPr lang="fr-FR" sz="2200" dirty="0" smtClean="0">
+                <a:latin typeface=""/>
+              </a:rPr>
+              <a:t>jouer</a:t>
+            </a:r>
+          </a:p>
+          <a:p>
+            <a:pPr lvl="1"/>
+            <a:r>
+              <a:rPr lang="fr-FR" sz="2200" dirty="0" smtClean="0">
+                <a:latin typeface=""/>
+              </a:rPr>
+              <a:t> </a:t>
+            </a:r>
+            <a:r>
+              <a:rPr lang="fr-FR" sz="2200" dirty="0">
+                <a:latin typeface=""/>
+              </a:rPr>
+              <a:t>coups possibles, </a:t>
+            </a:r>
+            <a:endParaRPr lang="fr-FR" sz="2200" dirty="0" smtClean="0">
+              <a:latin typeface=""/>
+            </a:endParaRPr>
+          </a:p>
+          <a:p>
+            <a:pPr lvl="1"/>
+            <a:r>
+              <a:rPr lang="fr-FR" sz="2200" dirty="0" smtClean="0"/>
+              <a:t>états terminaux (pas de coup possible ou fin du jeu</a:t>
+            </a:r>
+          </a:p>
+          <a:p>
+            <a:r>
+              <a:rPr lang="fr-FR" sz="2200" dirty="0"/>
+              <a:t>Une méthode calculant l’effet d’un </a:t>
+            </a:r>
+            <a:r>
+              <a:rPr lang="fr-FR" sz="2200" dirty="0" smtClean="0"/>
+              <a:t>coup</a:t>
+            </a:r>
+          </a:p>
+          <a:p>
+            <a:pPr lvl="1"/>
+            <a:r>
+              <a:rPr lang="fr-FR" sz="2200" dirty="0" smtClean="0"/>
+              <a:t>Retourner les pièces</a:t>
+            </a:r>
+          </a:p>
+          <a:p>
+            <a:r>
+              <a:rPr lang="fr-FR" sz="2200" dirty="0"/>
+              <a:t>Une fonction d’évaluation d’un </a:t>
+            </a:r>
+            <a:r>
+              <a:rPr lang="fr-FR" sz="2200" dirty="0" smtClean="0"/>
+              <a:t>état: </a:t>
+            </a:r>
+            <a:r>
+              <a:rPr lang="fr-FR" sz="2200" dirty="0"/>
+              <a:t>c’est sur cette fonction que va se reposer principalement </a:t>
+            </a:r>
+            <a:r>
+              <a:rPr lang="fr-FR" sz="2200" dirty="0" smtClean="0"/>
+              <a:t>la qualité </a:t>
+            </a:r>
+            <a:r>
+              <a:rPr lang="fr-FR" sz="2200" dirty="0"/>
+              <a:t>de </a:t>
+            </a:r>
+            <a:r>
+              <a:rPr lang="fr-FR" sz="2200" dirty="0" smtClean="0"/>
+              <a:t>jeu.</a:t>
+            </a:r>
+          </a:p>
+          <a:p>
+            <a:r>
+              <a:rPr lang="fr-FR" sz="2200" dirty="0"/>
+              <a:t>L’algorithme alpha-</a:t>
+            </a:r>
+            <a:r>
+              <a:rPr lang="fr-FR" sz="2200" dirty="0" smtClean="0"/>
+              <a:t>beta</a:t>
+            </a:r>
+            <a:r>
+              <a:rPr lang="fr-FR" sz="2200" dirty="0"/>
+              <a:t> </a:t>
+            </a:r>
+            <a:r>
+              <a:rPr lang="fr-FR" sz="2200" dirty="0" smtClean="0"/>
+              <a:t>qui devra </a:t>
+            </a:r>
+            <a:r>
+              <a:rPr lang="fr-FR" sz="2200" dirty="0"/>
+              <a:t>être paramétrable par la profondeur maximale de </a:t>
+            </a:r>
+            <a:r>
+              <a:rPr lang="fr-FR" sz="2200" dirty="0" smtClean="0"/>
+              <a:t>recherche afin de créer des niveaux de difficulté dans le jeu.</a:t>
+            </a:r>
+            <a:endParaRPr lang="fr-FR" sz="2200" dirty="0">
+              <a:latin typeface=""/>
+            </a:endParaRPr>
+          </a:p>
+        </p:txBody>
+      </p:sp>
     </p:spTree>
     <p:extLst>
       <p:ext uri="{BB962C8B-B14F-4D97-AF65-F5344CB8AC3E}">
-        <p14:creationId xmlns:p14="http://schemas.microsoft.com/office/powerpoint/2010/main" val="2367922031"/>
+        <p14:creationId xmlns:p14="http://schemas.microsoft.com/office/powerpoint/2010/main" val="309945059"/>
       </p:ext>
     </p:extLst>
   </p:cSld>
@@ -9039,7 +9250,7 @@
       </p:sp>
       <p:pic>
         <p:nvPicPr>
-          <p:cNvPr id="3" name="Image 2" descr="Capture d'écran 2016-01-10 18.37.40.png"/>
+          <p:cNvPr id="5" name="Image 4" descr="diagramme.png"/>
           <p:cNvPicPr>
             <a:picLocks noChangeAspect="1"/>
           </p:cNvPicPr>
@@ -9059,38 +9270,8 @@
         </p:blipFill>
         <p:spPr>
           <a:xfrm>
-            <a:off x="724850" y="1995954"/>
-            <a:ext cx="3069101" cy="4862046"/>
-          </a:xfrm>
-          <a:prstGeom prst="rect">
-            <a:avLst/>
-          </a:prstGeom>
-        </p:spPr>
-      </p:pic>
-      <p:pic>
-        <p:nvPicPr>
-          <p:cNvPr id="4" name="Image 3" descr="Capture d'écran 2016-01-10 18.38.42.png"/>
-          <p:cNvPicPr>
-            <a:picLocks noChangeAspect="1"/>
-          </p:cNvPicPr>
-          <p:nvPr/>
-        </p:nvPicPr>
-        <p:blipFill>
-          <a:blip r:embed="rId3">
-            <a:extLst>
-              <a:ext uri="{28A0092B-C50C-407E-A947-70E740481C1C}">
-                <a14:useLocalDpi xmlns:a14="http://schemas.microsoft.com/office/drawing/2010/main" val="0"/>
-              </a:ext>
-            </a:extLst>
-          </a:blip>
-          <a:stretch>
-            <a:fillRect/>
-          </a:stretch>
-        </p:blipFill>
-        <p:spPr>
-          <a:xfrm>
-            <a:off x="6794865" y="1990480"/>
-            <a:ext cx="3015103" cy="4867519"/>
+            <a:off x="3809742" y="1979086"/>
+            <a:ext cx="4878914" cy="4878914"/>
           </a:xfrm>
           <a:prstGeom prst="rect">
             <a:avLst/>
@@ -9100,7 +9281,7 @@
     </p:spTree>
     <p:extLst>
       <p:ext uri="{BB962C8B-B14F-4D97-AF65-F5344CB8AC3E}">
-        <p14:creationId xmlns:p14="http://schemas.microsoft.com/office/powerpoint/2010/main" val="3836111255"/>
+        <p14:creationId xmlns:p14="http://schemas.microsoft.com/office/powerpoint/2010/main" val="2367922031"/>
       </p:ext>
     </p:extLst>
   </p:cSld>
@@ -9150,8 +9331,12 @@
           <a:lstStyle/>
           <a:p>
             <a:r>
+              <a:rPr lang="fr-CH" dirty="0"/>
+              <a:t>Aspect </a:t>
+            </a:r>
+            <a:r>
               <a:rPr lang="fr-CH" dirty="0" smtClean="0"/>
-              <a:t>Démonstration</a:t>
+              <a:t>technique</a:t>
             </a:r>
             <a:endParaRPr lang="fr-CH" dirty="0"/>
           </a:p>
@@ -9159,13 +9344,11 @@
       </p:sp>
       <p:pic>
         <p:nvPicPr>
-          <p:cNvPr id="4" name="Espace réservé du contenu 3"/>
+          <p:cNvPr id="3" name="Image 2" descr="Capture d'écran 2016-01-10 18.37.40.png"/>
           <p:cNvPicPr>
-            <a:picLocks noGrp="1" noChangeAspect="1"/>
+            <a:picLocks noChangeAspect="1"/>
           </p:cNvPicPr>
-          <p:nvPr>
-            <p:ph idx="1"/>
-          </p:nvPr>
+          <p:nvPr/>
         </p:nvPicPr>
         <p:blipFill>
           <a:blip r:embed="rId2">
@@ -9181,15 +9364,48 @@
         </p:blipFill>
         <p:spPr>
           <a:xfrm>
-            <a:off x="3988525" y="2680312"/>
-            <a:ext cx="3250226" cy="3250226"/>
-          </a:xfrm>
+            <a:off x="724850" y="1995954"/>
+            <a:ext cx="3069101" cy="4862046"/>
+          </a:xfrm>
+          <a:prstGeom prst="rect">
+            <a:avLst/>
+          </a:prstGeom>
+        </p:spPr>
+      </p:pic>
+      <p:pic>
+        <p:nvPicPr>
+          <p:cNvPr id="4" name="Image 3" descr="Capture d'écran 2016-01-10 18.38.42.png"/>
+          <p:cNvPicPr>
+            <a:picLocks noChangeAspect="1"/>
+          </p:cNvPicPr>
+          <p:nvPr/>
+        </p:nvPicPr>
+        <p:blipFill>
+          <a:blip r:embed="rId3">
+            <a:extLst>
+              <a:ext uri="{28A0092B-C50C-407E-A947-70E740481C1C}">
+                <a14:useLocalDpi xmlns:a14="http://schemas.microsoft.com/office/drawing/2010/main" val="0"/>
+              </a:ext>
+            </a:extLst>
+          </a:blip>
+          <a:stretch>
+            <a:fillRect/>
+          </a:stretch>
+        </p:blipFill>
+        <p:spPr>
+          <a:xfrm>
+            <a:off x="6794865" y="1990480"/>
+            <a:ext cx="3015103" cy="4867519"/>
+          </a:xfrm>
+          <a:prstGeom prst="rect">
+            <a:avLst/>
+          </a:prstGeom>
         </p:spPr>
       </p:pic>
     </p:spTree>
     <p:extLst>
       <p:ext uri="{BB962C8B-B14F-4D97-AF65-F5344CB8AC3E}">
-        <p14:creationId xmlns:p14="http://schemas.microsoft.com/office/powerpoint/2010/main" val="3172575401"/>
+        <p14:creationId xmlns:p14="http://schemas.microsoft.com/office/powerpoint/2010/main" val="3836111255"/>
       </p:ext>
     </p:extLst>
   </p:cSld>
@@ -9240,62 +9456,7 @@
           <a:p>
             <a:r>
               <a:rPr lang="fr-CH" dirty="0" smtClean="0"/>
-              <a:t>Améliorations</a:t>
-            </a:r>
-            <a:endParaRPr lang="fr-CH" dirty="0"/>
-          </a:p>
-        </p:txBody>
-      </p:sp>
-      <p:sp>
-        <p:nvSpPr>
-          <p:cNvPr id="3" name="Espace réservé du contenu 2"/>
-          <p:cNvSpPr>
-            <a:spLocks noGrp="1"/>
-          </p:cNvSpPr>
-          <p:nvPr>
-            <p:ph idx="1"/>
-          </p:nvPr>
-        </p:nvSpPr>
-        <p:spPr>
-          <a:xfrm>
-            <a:off x="819658" y="2955179"/>
-            <a:ext cx="6234285" cy="2400591"/>
-          </a:xfrm>
-        </p:spPr>
-        <p:txBody>
-          <a:bodyPr>
-            <a:normAutofit/>
-          </a:bodyPr>
-          <a:lstStyle/>
-          <a:p>
-            <a:r>
-              <a:rPr lang="fr-CH" dirty="0" smtClean="0"/>
-              <a:t>Améliration du design.</a:t>
-            </a:r>
-          </a:p>
-          <a:p>
-            <a:r>
-              <a:rPr lang="fr-CH" dirty="0" smtClean="0"/>
-              <a:t>Sauvgarder une partie en réseau.</a:t>
-            </a:r>
-          </a:p>
-          <a:p>
-            <a:r>
-              <a:rPr lang="fr-CH" dirty="0" smtClean="0"/>
-              <a:t>Charger partie en réseau.</a:t>
-            </a:r>
-          </a:p>
-          <a:p>
-            <a:r>
-              <a:rPr lang="fr-CH" dirty="0" smtClean="0"/>
-              <a:t>Amélioration de l’IA </a:t>
-            </a:r>
-          </a:p>
-          <a:p>
-            <a:pPr lvl="1"/>
-            <a:r>
-              <a:rPr lang="fr-CH" dirty="0" smtClean="0"/>
-              <a:t>Ajouter plus de niveaux</a:t>
+              <a:t>Démonstration</a:t>
             </a:r>
             <a:endParaRPr lang="fr-CH" dirty="0"/>
           </a:p>
@@ -9303,11 +9464,13 @@
       </p:sp>
       <p:pic>
         <p:nvPicPr>
-          <p:cNvPr id="2050" name="Picture 2" descr="http://t3.gstatic.com/images?q=tbn:ANd9GcSkUiSAwcUCS_9j3xWlbkGjtjQujNei6yDx3UL1tRPoBkjCnq_4"/>
+          <p:cNvPr id="4" name="Espace réservé du contenu 3"/>
           <p:cNvPicPr>
-            <a:picLocks noChangeAspect="1" noChangeArrowheads="1"/>
+            <a:picLocks noGrp="1" noChangeAspect="1"/>
           </p:cNvPicPr>
-          <p:nvPr/>
+          <p:nvPr>
+            <p:ph idx="1"/>
+          </p:nvPr>
         </p:nvPicPr>
         <p:blipFill>
           <a:blip r:embed="rId2">
@@ -9317,35 +9480,21 @@
               </a:ext>
             </a:extLst>
           </a:blip>
-          <a:srcRect/>
           <a:stretch>
             <a:fillRect/>
           </a:stretch>
         </p:blipFill>
-        <p:spPr bwMode="auto">
-          <a:xfrm>
-            <a:off x="8887158" y="3858440"/>
-            <a:ext cx="2814048" cy="2506632"/>
-          </a:xfrm>
-          <a:prstGeom prst="rect">
-            <a:avLst/>
-          </a:prstGeom>
-          <a:noFill/>
-          <a:extLst>
-            <a:ext uri="{909E8E84-426E-40dd-AFC4-6F175D3DCCD1}">
-              <a14:hiddenFill xmlns:a14="http://schemas.microsoft.com/office/drawing/2010/main">
-                <a:solidFill>
-                  <a:srgbClr val="FFFFFF"/>
-                </a:solidFill>
-              </a14:hiddenFill>
-            </a:ext>
-          </a:extLst>
+        <p:spPr>
+          <a:xfrm>
+            <a:off x="3988525" y="2680312"/>
+            <a:ext cx="3250226" cy="3250226"/>
+          </a:xfrm>
         </p:spPr>
       </p:pic>
     </p:spTree>
     <p:extLst>
       <p:ext uri="{BB962C8B-B14F-4D97-AF65-F5344CB8AC3E}">
-        <p14:creationId xmlns:p14="http://schemas.microsoft.com/office/powerpoint/2010/main" val="3324655152"/>
+        <p14:creationId xmlns:p14="http://schemas.microsoft.com/office/powerpoint/2010/main" val="3172575401"/>
       </p:ext>
     </p:extLst>
   </p:cSld>
@@ -9396,7 +9545,7 @@
           <a:p>
             <a:r>
               <a:rPr lang="fr-CH" dirty="0" smtClean="0"/>
-              <a:t>Conclusion</a:t>
+              <a:t>Améliorations</a:t>
             </a:r>
             <a:endParaRPr lang="fr-CH" dirty="0"/>
           </a:p>
@@ -9414,8 +9563,8 @@
         </p:nvSpPr>
         <p:spPr>
           <a:xfrm>
-            <a:off x="1194127" y="2885513"/>
-            <a:ext cx="5694353" cy="2862144"/>
+            <a:off x="819658" y="2955179"/>
+            <a:ext cx="6234285" cy="2400591"/>
           </a:xfrm>
         </p:spPr>
         <p:txBody>
@@ -9425,35 +9574,96 @@
           <a:lstStyle/>
           <a:p>
             <a:r>
-              <a:rPr lang="fr-CH" sz="4000" dirty="0" smtClean="0"/>
-              <a:t>Simplicité</a:t>
-            </a:r>
-          </a:p>
-          <a:p>
-            <a:r>
-              <a:rPr lang="fr-CH" sz="4000" dirty="0" smtClean="0"/>
-              <a:t>Précision</a:t>
-            </a:r>
-          </a:p>
-          <a:p>
-            <a:r>
-              <a:rPr lang="fr-CH" sz="4000" smtClean="0"/>
-              <a:t>Améliorations</a:t>
-            </a:r>
-            <a:endParaRPr lang="fr-CH" sz="4000" dirty="0" smtClean="0"/>
-          </a:p>
-        </p:txBody>
-      </p:sp>
+              <a:rPr lang="fr-CH" dirty="0" smtClean="0"/>
+              <a:t>Améliration du design.</a:t>
+            </a:r>
+          </a:p>
+          <a:p>
+            <a:r>
+              <a:rPr lang="fr-CH" dirty="0" smtClean="0"/>
+              <a:t>Sauvgarder une partie en réseau.</a:t>
+            </a:r>
+          </a:p>
+          <a:p>
+            <a:r>
+              <a:rPr lang="fr-CH" dirty="0" smtClean="0"/>
+              <a:t>Charger partie en réseau.</a:t>
+            </a:r>
+          </a:p>
+          <a:p>
+            <a:r>
+              <a:rPr lang="fr-CH" dirty="0" smtClean="0"/>
+              <a:t>Amélioration de l’IA </a:t>
+            </a:r>
+          </a:p>
+          <a:p>
+            <a:pPr lvl="1"/>
+            <a:r>
+              <a:rPr lang="fr-CH" dirty="0" smtClean="0"/>
+              <a:t>Ajouter plus de niveaux</a:t>
+            </a:r>
+            <a:endParaRPr lang="fr-CH" dirty="0"/>
+          </a:p>
+        </p:txBody>
+      </p:sp>
+      <p:pic>
+        <p:nvPicPr>
+          <p:cNvPr id="2050" name="Picture 2" descr="http://t3.gstatic.com/images?q=tbn:ANd9GcSkUiSAwcUCS_9j3xWlbkGjtjQujNei6yDx3UL1tRPoBkjCnq_4"/>
+          <p:cNvPicPr>
+            <a:picLocks noChangeAspect="1" noChangeArrowheads="1"/>
+          </p:cNvPicPr>
+          <p:nvPr/>
+        </p:nvPicPr>
+        <p:blipFill>
+          <a:blip r:embed="rId2">
+            <a:extLst>
+              <a:ext uri="{28A0092B-C50C-407E-A947-70E740481C1C}">
+                <a14:useLocalDpi xmlns:a14="http://schemas.microsoft.com/office/drawing/2010/main" val="0"/>
+              </a:ext>
+            </a:extLst>
+          </a:blip>
+          <a:srcRect/>
+          <a:stretch>
+            <a:fillRect/>
+          </a:stretch>
+        </p:blipFill>
+        <p:spPr bwMode="auto">
+          <a:xfrm>
+            <a:off x="8887158" y="3858440"/>
+            <a:ext cx="2814048" cy="2506632"/>
+          </a:xfrm>
+          <a:prstGeom prst="rect">
+            <a:avLst/>
+          </a:prstGeom>
+          <a:noFill/>
+          <a:extLst>
+            <a:ext uri="{909E8E84-426E-40dd-AFC4-6F175D3DCCD1}">
+              <a14:hiddenFill xmlns:a14="http://schemas.microsoft.com/office/drawing/2010/main">
+                <a:solidFill>
+                  <a:srgbClr val="FFFFFF"/>
+                </a:solidFill>
+              </a14:hiddenFill>
+            </a:ext>
+          </a:extLst>
+        </p:spPr>
+      </p:pic>
     </p:spTree>
     <p:extLst>
       <p:ext uri="{BB962C8B-B14F-4D97-AF65-F5344CB8AC3E}">
-        <p14:creationId xmlns:p14="http://schemas.microsoft.com/office/powerpoint/2010/main" val="1647298213"/>
+        <p14:creationId xmlns:p14="http://schemas.microsoft.com/office/powerpoint/2010/main" val="3324655152"/>
       </p:ext>
     </p:extLst>
   </p:cSld>
   <p:clrMapOvr>
     <a:masterClrMapping/>
   </p:clrMapOvr>
+  <p:timing>
+    <p:tnLst>
+      <p:par>
+        <p:cTn xmlns:p14="http://schemas.microsoft.com/office/powerpoint/2010/main" id="1" dur="indefinite" restart="never" nodeType="tmRoot"/>
+      </p:par>
+    </p:tnLst>
+  </p:timing>
 </p:sld>
 </file>
 
@@ -9491,6 +9701,108 @@
           <a:p>
             <a:r>
               <a:rPr lang="fr-CH" dirty="0" smtClean="0"/>
+              <a:t>Conclusion</a:t>
+            </a:r>
+            <a:endParaRPr lang="fr-CH" dirty="0"/>
+          </a:p>
+        </p:txBody>
+      </p:sp>
+      <p:sp>
+        <p:nvSpPr>
+          <p:cNvPr id="3" name="Espace réservé du contenu 2"/>
+          <p:cNvSpPr>
+            <a:spLocks noGrp="1"/>
+          </p:cNvSpPr>
+          <p:nvPr>
+            <p:ph idx="1"/>
+          </p:nvPr>
+        </p:nvSpPr>
+        <p:spPr>
+          <a:xfrm>
+            <a:off x="1194127" y="2885513"/>
+            <a:ext cx="5694353" cy="2862144"/>
+          </a:xfrm>
+        </p:spPr>
+        <p:txBody>
+          <a:bodyPr>
+            <a:normAutofit/>
+          </a:bodyPr>
+          <a:lstStyle/>
+          <a:p>
+            <a:r>
+              <a:rPr lang="fr-CH" sz="4000" dirty="0" smtClean="0"/>
+              <a:t>Simplicité</a:t>
+            </a:r>
+          </a:p>
+          <a:p>
+            <a:r>
+              <a:rPr lang="fr-CH" sz="4000" dirty="0" smtClean="0"/>
+              <a:t>Précision</a:t>
+            </a:r>
+          </a:p>
+          <a:p>
+            <a:r>
+              <a:rPr lang="fr-CH" sz="4000" smtClean="0"/>
+              <a:t>Améliorations</a:t>
+            </a:r>
+            <a:endParaRPr lang="fr-CH" sz="4000" dirty="0" smtClean="0"/>
+          </a:p>
+        </p:txBody>
+      </p:sp>
+    </p:spTree>
+    <p:extLst>
+      <p:ext uri="{BB962C8B-B14F-4D97-AF65-F5344CB8AC3E}">
+        <p14:creationId xmlns:p14="http://schemas.microsoft.com/office/powerpoint/2010/main" val="1647298213"/>
+      </p:ext>
+    </p:extLst>
+  </p:cSld>
+  <p:clrMapOvr>
+    <a:masterClrMapping/>
+  </p:clrMapOvr>
+  <p:timing>
+    <p:tnLst>
+      <p:par>
+        <p:cTn xmlns:p14="http://schemas.microsoft.com/office/powerpoint/2010/main" id="1" dur="indefinite" restart="never" nodeType="tmRoot"/>
+      </p:par>
+    </p:tnLst>
+  </p:timing>
+</p:sld>
+</file>
+
+<file path=ppt/slides/slide18.xml><?xml version="1.0" encoding="utf-8"?>
+<p:sld xmlns:a="http://schemas.openxmlformats.org/drawingml/2006/main" xmlns:r="http://schemas.openxmlformats.org/officeDocument/2006/relationships" xmlns:p="http://schemas.openxmlformats.org/presentationml/2006/main">
+  <p:cSld>
+    <p:spTree>
+      <p:nvGrpSpPr>
+        <p:cNvPr id="1" name=""/>
+        <p:cNvGrpSpPr/>
+        <p:nvPr/>
+      </p:nvGrpSpPr>
+      <p:grpSpPr>
+        <a:xfrm>
+          <a:off x="0" y="0"/>
+          <a:ext cx="0" cy="0"/>
+          <a:chOff x="0" y="0"/>
+          <a:chExt cx="0" cy="0"/>
+        </a:xfrm>
+      </p:grpSpPr>
+      <p:sp>
+        <p:nvSpPr>
+          <p:cNvPr id="2" name="Titre 1"/>
+          <p:cNvSpPr>
+            <a:spLocks noGrp="1"/>
+          </p:cNvSpPr>
+          <p:nvPr>
+            <p:ph type="title"/>
+          </p:nvPr>
+        </p:nvSpPr>
+        <p:spPr/>
+        <p:txBody>
+          <a:bodyPr/>
+          <a:lstStyle/>
+          <a:p>
+            <a:r>
+              <a:rPr lang="fr-CH" dirty="0" smtClean="0"/>
               <a:t>Questions ?</a:t>
             </a:r>
             <a:endParaRPr lang="fr-CH" dirty="0"/>
@@ -9537,6 +9849,13 @@
   <p:clrMapOvr>
     <a:masterClrMapping/>
   </p:clrMapOvr>
+  <p:timing>
+    <p:tnLst>
+      <p:par>
+        <p:cTn xmlns:p14="http://schemas.microsoft.com/office/powerpoint/2010/main" id="1" dur="indefinite" restart="never" nodeType="tmRoot"/>
+      </p:par>
+    </p:tnLst>
+  </p:timing>
 </p:sld>
 </file>
 
@@ -9745,13 +10064,8 @@
           <a:p>
             <a:r>
               <a:rPr lang="fr-CH" dirty="0" smtClean="0"/>
-              <a:t>But: </a:t>
-            </a:r>
-            <a:r>
-              <a:rPr lang="fr-CH" dirty="0" smtClean="0"/>
-              <a:t>Réalisation d’un jeux avec une intelligence artificielle</a:t>
-            </a:r>
-            <a:endParaRPr lang="fr-CH" dirty="0" smtClean="0"/>
+              <a:t>But: Réalisation d’un jeux avec une intelligence artificielle</a:t>
+            </a:r>
           </a:p>
         </p:txBody>
       </p:sp>
@@ -9889,7 +10203,6 @@
               <a:rPr lang="fr-CH" dirty="0" smtClean="0"/>
               <a:t>Réalisation d’un jeu basé sur une IA</a:t>
             </a:r>
-            <a:endParaRPr lang="fr-CH" dirty="0" smtClean="0"/>
           </a:p>
         </p:txBody>
       </p:sp>
@@ -9903,6 +10216,13 @@
   <p:clrMapOvr>
     <a:masterClrMapping/>
   </p:clrMapOvr>
+  <p:timing>
+    <p:tnLst>
+      <p:par>
+        <p:cTn xmlns:p14="http://schemas.microsoft.com/office/powerpoint/2010/main" id="1" dur="indefinite" restart="never" nodeType="tmRoot"/>
+      </p:par>
+    </p:tnLst>
+  </p:timing>
 </p:sld>
 </file>
 
@@ -9967,7 +10287,6 @@
               <a:rPr lang="fr-CH" dirty="0" smtClean="0"/>
               <a:t>Jouer en local Vs humain </a:t>
             </a:r>
-            <a:endParaRPr lang="fr-CH" dirty="0" smtClean="0"/>
           </a:p>
           <a:p>
             <a:r>
@@ -9992,14 +10311,12 @@
               <a:rPr lang="fr-CH" dirty="0" smtClean="0"/>
               <a:t>Jouer en réseau Vs Humain</a:t>
             </a:r>
-            <a:endParaRPr lang="fr-CH" dirty="0" smtClean="0"/>
           </a:p>
           <a:p>
             <a:r>
               <a:rPr lang="fr-CH" dirty="0" smtClean="0"/>
               <a:t>Sauvgarder une partie</a:t>
             </a:r>
-            <a:endParaRPr lang="fr-CH" dirty="0" smtClean="0"/>
           </a:p>
           <a:p>
             <a:r>
@@ -10020,6 +10337,13 @@
   <p:clrMapOvr>
     <a:masterClrMapping/>
   </p:clrMapOvr>
+  <p:timing>
+    <p:tnLst>
+      <p:par>
+        <p:cTn xmlns:p14="http://schemas.microsoft.com/office/powerpoint/2010/main" id="1" dur="indefinite" restart="never" nodeType="tmRoot"/>
+      </p:par>
+    </p:tnLst>
+  </p:timing>
 </p:sld>
 </file>
 
@@ -10095,6 +10419,13 @@
   <p:clrMapOvr>
     <a:masterClrMapping/>
   </p:clrMapOvr>
+  <p:timing>
+    <p:tnLst>
+      <p:par>
+        <p:cTn xmlns:p14="http://schemas.microsoft.com/office/powerpoint/2010/main" id="1" dur="indefinite" restart="never" nodeType="tmRoot"/>
+      </p:par>
+    </p:tnLst>
+  </p:timing>
 </p:sld>
 </file>
 
@@ -10132,11 +10463,7 @@
           <a:p>
             <a:r>
               <a:rPr lang="fr-CH" dirty="0" smtClean="0"/>
-              <a:t>Sélection </a:t>
-            </a:r>
-            <a:r>
-              <a:rPr lang="fr-CH" dirty="0" smtClean="0"/>
-              <a:t>mode du jeu </a:t>
+              <a:t>Sélection mode du jeu </a:t>
             </a:r>
             <a:endParaRPr lang="fr-CH" dirty="0"/>
           </a:p>
@@ -10211,6 +10538,36 @@
           </a:p>
         </p:txBody>
       </p:sp>
+      <p:pic>
+        <p:nvPicPr>
+          <p:cNvPr id="3" name="Image 2" descr="Capture d'écran 2016-01-13 19.14.59.png"/>
+          <p:cNvPicPr>
+            <a:picLocks noChangeAspect="1"/>
+          </p:cNvPicPr>
+          <p:nvPr/>
+        </p:nvPicPr>
+        <p:blipFill>
+          <a:blip r:embed="rId3">
+            <a:extLst>
+              <a:ext uri="{28A0092B-C50C-407E-A947-70E740481C1C}">
+                <a14:useLocalDpi xmlns:a14="http://schemas.microsoft.com/office/drawing/2010/main" val="0"/>
+              </a:ext>
+            </a:extLst>
+          </a:blip>
+          <a:stretch>
+            <a:fillRect/>
+          </a:stretch>
+        </p:blipFill>
+        <p:spPr>
+          <a:xfrm>
+            <a:off x="5858263" y="2010723"/>
+            <a:ext cx="3076501" cy="4847277"/>
+          </a:xfrm>
+          <a:prstGeom prst="rect">
+            <a:avLst/>
+          </a:prstGeom>
+        </p:spPr>
+      </p:pic>
     </p:spTree>
     <p:extLst>
       <p:ext uri="{BB962C8B-B14F-4D97-AF65-F5344CB8AC3E}">
@@ -10221,6 +10578,13 @@
   <p:clrMapOvr>
     <a:masterClrMapping/>
   </p:clrMapOvr>
+  <p:timing>
+    <p:tnLst>
+      <p:par>
+        <p:cTn xmlns:p14="http://schemas.microsoft.com/office/powerpoint/2010/main" id="1" dur="indefinite" restart="never" nodeType="tmRoot"/>
+      </p:par>
+    </p:tnLst>
+  </p:timing>
 </p:sld>
 </file>
 
@@ -10298,7 +10662,6 @@
               <a:rPr lang="fr-CH" sz="2400" dirty="0" smtClean="0"/>
               <a:t>Charger partie</a:t>
             </a:r>
-            <a:endParaRPr lang="fr-CH" sz="2400" dirty="0" smtClean="0"/>
           </a:p>
           <a:p>
             <a:pPr marL="285750" indent="-285750">
@@ -10329,10 +10692,69 @@
               <a:rPr lang="fr-CH" sz="2400" dirty="0" smtClean="0"/>
               <a:t>Choisir la couleur de la pièce</a:t>
             </a:r>
-            <a:endParaRPr lang="fr-CH" sz="2400" dirty="0" smtClean="0"/>
-          </a:p>
-        </p:txBody>
-      </p:sp>
+          </a:p>
+        </p:txBody>
+      </p:sp>
+      <p:pic>
+        <p:nvPicPr>
+          <p:cNvPr id="4" name="Image 3" descr="Capture d'écran 2016-01-13 19.17.53.png"/>
+          <p:cNvPicPr>
+            <a:picLocks noChangeAspect="1"/>
+          </p:cNvPicPr>
+          <p:nvPr/>
+        </p:nvPicPr>
+        <p:blipFill>
+          <a:blip r:embed="rId3">
+            <a:extLst>
+              <a:ext uri="{28A0092B-C50C-407E-A947-70E740481C1C}">
+                <a14:useLocalDpi xmlns:a14="http://schemas.microsoft.com/office/drawing/2010/main" val="0"/>
+              </a:ext>
+            </a:extLst>
+          </a:blip>
+          <a:stretch>
+            <a:fillRect/>
+          </a:stretch>
+        </p:blipFill>
+        <p:spPr>
+          <a:xfrm>
+            <a:off x="5473265" y="1986159"/>
+            <a:ext cx="3101080" cy="4871841"/>
+          </a:xfrm>
+          <a:prstGeom prst="rect">
+            <a:avLst/>
+          </a:prstGeom>
+        </p:spPr>
+      </p:pic>
+      <p:pic>
+        <p:nvPicPr>
+          <p:cNvPr id="5" name="Image 4" descr="Capture d'écran 2016-01-13 19.18.27.png"/>
+          <p:cNvPicPr>
+            <a:picLocks noChangeAspect="1"/>
+          </p:cNvPicPr>
+          <p:nvPr/>
+        </p:nvPicPr>
+        <p:blipFill>
+          <a:blip r:embed="rId4">
+            <a:extLst>
+              <a:ext uri="{28A0092B-C50C-407E-A947-70E740481C1C}">
+                <a14:useLocalDpi xmlns:a14="http://schemas.microsoft.com/office/drawing/2010/main" val="0"/>
+              </a:ext>
+            </a:extLst>
+          </a:blip>
+          <a:stretch>
+            <a:fillRect/>
+          </a:stretch>
+        </p:blipFill>
+        <p:spPr>
+          <a:xfrm>
+            <a:off x="8873419" y="2010723"/>
+            <a:ext cx="3053332" cy="4847277"/>
+          </a:xfrm>
+          <a:prstGeom prst="rect">
+            <a:avLst/>
+          </a:prstGeom>
+        </p:spPr>
+      </p:pic>
     </p:spTree>
     <p:extLst>
       <p:ext uri="{BB962C8B-B14F-4D97-AF65-F5344CB8AC3E}">
@@ -10343,6 +10765,13 @@
   <p:clrMapOvr>
     <a:masterClrMapping/>
   </p:clrMapOvr>
+  <p:timing>
+    <p:tnLst>
+      <p:par>
+        <p:cTn xmlns:p14="http://schemas.microsoft.com/office/powerpoint/2010/main" id="1" dur="indefinite" restart="never" nodeType="tmRoot"/>
+      </p:par>
+    </p:tnLst>
+  </p:timing>
 </p:sld>
 </file>
 
@@ -10416,7 +10845,6 @@
               <a:rPr lang="fr-CH" sz="2400" dirty="0" smtClean="0"/>
               <a:t>Charger partie</a:t>
             </a:r>
-            <a:endParaRPr lang="fr-CH" sz="2400" dirty="0" smtClean="0"/>
           </a:p>
           <a:p>
             <a:pPr marL="285750" indent="-285750">
@@ -10427,7 +10855,6 @@
               <a:rPr lang="fr-CH" sz="2400" dirty="0" smtClean="0"/>
               <a:t>Nouvelle partie</a:t>
             </a:r>
-            <a:endParaRPr lang="fr-CH" sz="2400" dirty="0" smtClean="0"/>
           </a:p>
           <a:p>
             <a:pPr marL="285750" indent="-285750">
@@ -10442,6 +10869,66 @@
           </a:p>
         </p:txBody>
       </p:sp>
+      <p:pic>
+        <p:nvPicPr>
+          <p:cNvPr id="3" name="Image 2" descr="Capture d'écran 2016-01-13 19.15.46.png"/>
+          <p:cNvPicPr>
+            <a:picLocks noChangeAspect="1"/>
+          </p:cNvPicPr>
+          <p:nvPr/>
+        </p:nvPicPr>
+        <p:blipFill>
+          <a:blip r:embed="rId3">
+            <a:extLst>
+              <a:ext uri="{28A0092B-C50C-407E-A947-70E740481C1C}">
+                <a14:useLocalDpi xmlns:a14="http://schemas.microsoft.com/office/drawing/2010/main" val="0"/>
+              </a:ext>
+            </a:extLst>
+          </a:blip>
+          <a:stretch>
+            <a:fillRect/>
+          </a:stretch>
+        </p:blipFill>
+        <p:spPr>
+          <a:xfrm>
+            <a:off x="3961453" y="2001050"/>
+            <a:ext cx="3135270" cy="4856950"/>
+          </a:xfrm>
+          <a:prstGeom prst="rect">
+            <a:avLst/>
+          </a:prstGeom>
+        </p:spPr>
+      </p:pic>
+      <p:pic>
+        <p:nvPicPr>
+          <p:cNvPr id="4" name="Image 3" descr="Capture d'écran 2016-01-13 19.16.25.png"/>
+          <p:cNvPicPr>
+            <a:picLocks noChangeAspect="1"/>
+          </p:cNvPicPr>
+          <p:nvPr/>
+        </p:nvPicPr>
+        <p:blipFill>
+          <a:blip r:embed="rId4">
+            <a:extLst>
+              <a:ext uri="{28A0092B-C50C-407E-A947-70E740481C1C}">
+                <a14:useLocalDpi xmlns:a14="http://schemas.microsoft.com/office/drawing/2010/main" val="0"/>
+              </a:ext>
+            </a:extLst>
+          </a:blip>
+          <a:stretch>
+            <a:fillRect/>
+          </a:stretch>
+        </p:blipFill>
+        <p:spPr>
+          <a:xfrm>
+            <a:off x="7872681" y="1995605"/>
+            <a:ext cx="3079517" cy="4862395"/>
+          </a:xfrm>
+          <a:prstGeom prst="rect">
+            <a:avLst/>
+          </a:prstGeom>
+        </p:spPr>
+      </p:pic>
     </p:spTree>
     <p:extLst>
       <p:ext uri="{BB962C8B-B14F-4D97-AF65-F5344CB8AC3E}">
@@ -10452,6 +10939,13 @@
   <p:clrMapOvr>
     <a:masterClrMapping/>
   </p:clrMapOvr>
+  <p:timing>
+    <p:tnLst>
+      <p:par>
+        <p:cTn xmlns:p14="http://schemas.microsoft.com/office/powerpoint/2010/main" id="1" dur="indefinite" restart="never" nodeType="tmRoot"/>
+      </p:par>
+    </p:tnLst>
+  </p:timing>
 </p:sld>
 </file>
 
@@ -10703,7 +11197,7 @@
   <a:extraClrSchemeLst/>
   <a:extLst>
     <a:ext uri="{05A4C25C-085E-4340-85A3-A5531E510DB2}">
-      <thm15:themeFamily xmlns:thm15="http://schemas.microsoft.com/office/thememl/2012/main" xmlns="" name="Berlin" id="{7B5DBA9E-B069-418E-9360-A61BDD0615A4}" vid="{C7DC10E3-4FF5-456B-A359-A0F378C1E5FB}"/>
+      <thm15:themeFamily xmlns="" xmlns:thm15="http://schemas.microsoft.com/office/thememl/2012/main" name="Berlin" id="{7B5DBA9E-B069-418E-9360-A61BDD0615A4}" vid="{C7DC10E3-4FF5-456B-A359-A0F378C1E5FB}"/>
     </a:ext>
   </a:extLst>
 </a:theme>
